--- a/ppt/Inpainting.pptx
+++ b/ppt/Inpainting.pptx
@@ -20,12 +20,17 @@
     <p:sldId id="271" r:id="rId14"/>
     <p:sldId id="262" r:id="rId15"/>
     <p:sldId id="272" r:id="rId16"/>
-    <p:sldId id="273" r:id="rId17"/>
-    <p:sldId id="274" r:id="rId18"/>
-    <p:sldId id="275" r:id="rId19"/>
-    <p:sldId id="276" r:id="rId20"/>
-    <p:sldId id="263" r:id="rId21"/>
-    <p:sldId id="264" r:id="rId22"/>
+    <p:sldId id="280" r:id="rId17"/>
+    <p:sldId id="281" r:id="rId18"/>
+    <p:sldId id="273" r:id="rId19"/>
+    <p:sldId id="274" r:id="rId20"/>
+    <p:sldId id="275" r:id="rId21"/>
+    <p:sldId id="276" r:id="rId22"/>
+    <p:sldId id="277" r:id="rId23"/>
+    <p:sldId id="263" r:id="rId24"/>
+    <p:sldId id="278" r:id="rId25"/>
+    <p:sldId id="279" r:id="rId26"/>
+    <p:sldId id="264" r:id="rId27"/>
   </p:sldIdLst>
   <p:sldSz cx="9144000" cy="6858000" type="screen4x3"/>
   <p:notesSz cx="6858000" cy="9144000"/>
@@ -126,7 +131,7 @@
   </p:defaultTextStyle>
   <p:extLst>
     <p:ext uri="{EFAFB233-063F-42B5-8137-9DF3F51BA10A}">
-      <p15:sldGuideLst xmlns:p15="http://schemas.microsoft.com/office/powerpoint/2012/main">
+      <p15:sldGuideLst xmlns:p15="http://schemas.microsoft.com/office/powerpoint/2012/main" xmlns="">
         <p15:guide id="1" orient="horz" pos="2160">
           <p15:clr>
             <a:srgbClr val="A4A3A4"/>
@@ -289,7 +294,7 @@
           <a:p>
             <a:fld id="{65F0F7DF-7696-4367-B98B-32016486CC07}" type="datetimeFigureOut">
               <a:rPr lang="fr-FR" smtClean="0"/>
-              <a:t>20/01/2018</a:t>
+              <a:t>22/01/2018</a:t>
             </a:fld>
             <a:endParaRPr lang="fr-FR"/>
           </a:p>
@@ -459,7 +464,7 @@
           <a:p>
             <a:fld id="{65F0F7DF-7696-4367-B98B-32016486CC07}" type="datetimeFigureOut">
               <a:rPr lang="fr-FR" smtClean="0"/>
-              <a:t>20/01/2018</a:t>
+              <a:t>22/01/2018</a:t>
             </a:fld>
             <a:endParaRPr lang="fr-FR"/>
           </a:p>
@@ -639,7 +644,7 @@
           <a:p>
             <a:fld id="{65F0F7DF-7696-4367-B98B-32016486CC07}" type="datetimeFigureOut">
               <a:rPr lang="fr-FR" smtClean="0"/>
-              <a:t>20/01/2018</a:t>
+              <a:t>22/01/2018</a:t>
             </a:fld>
             <a:endParaRPr lang="fr-FR"/>
           </a:p>
@@ -809,7 +814,7 @@
           <a:p>
             <a:fld id="{65F0F7DF-7696-4367-B98B-32016486CC07}" type="datetimeFigureOut">
               <a:rPr lang="fr-FR" smtClean="0"/>
-              <a:t>20/01/2018</a:t>
+              <a:t>22/01/2018</a:t>
             </a:fld>
             <a:endParaRPr lang="fr-FR"/>
           </a:p>
@@ -1060,7 +1065,7 @@
           <a:p>
             <a:fld id="{65F0F7DF-7696-4367-B98B-32016486CC07}" type="datetimeFigureOut">
               <a:rPr lang="fr-FR" smtClean="0"/>
-              <a:t>20/01/2018</a:t>
+              <a:t>22/01/2018</a:t>
             </a:fld>
             <a:endParaRPr lang="fr-FR"/>
           </a:p>
@@ -1292,7 +1297,7 @@
           <a:p>
             <a:fld id="{65F0F7DF-7696-4367-B98B-32016486CC07}" type="datetimeFigureOut">
               <a:rPr lang="fr-FR" smtClean="0"/>
-              <a:t>20/01/2018</a:t>
+              <a:t>22/01/2018</a:t>
             </a:fld>
             <a:endParaRPr lang="fr-FR"/>
           </a:p>
@@ -1639,7 +1644,7 @@
           <a:p>
             <a:fld id="{65F0F7DF-7696-4367-B98B-32016486CC07}" type="datetimeFigureOut">
               <a:rPr lang="fr-FR" smtClean="0"/>
-              <a:t>20/01/2018</a:t>
+              <a:t>22/01/2018</a:t>
             </a:fld>
             <a:endParaRPr lang="fr-FR"/>
           </a:p>
@@ -1757,7 +1762,7 @@
           <a:p>
             <a:fld id="{65F0F7DF-7696-4367-B98B-32016486CC07}" type="datetimeFigureOut">
               <a:rPr lang="fr-FR" smtClean="0"/>
-              <a:t>20/01/2018</a:t>
+              <a:t>22/01/2018</a:t>
             </a:fld>
             <a:endParaRPr lang="fr-FR"/>
           </a:p>
@@ -1875,7 +1880,7 @@
           <a:p>
             <a:fld id="{65F0F7DF-7696-4367-B98B-32016486CC07}" type="datetimeFigureOut">
               <a:rPr lang="fr-FR" smtClean="0"/>
-              <a:t>20/01/2018</a:t>
+              <a:t>22/01/2018</a:t>
             </a:fld>
             <a:endParaRPr lang="fr-FR"/>
           </a:p>
@@ -2159,7 +2164,7 @@
           <a:p>
             <a:fld id="{65F0F7DF-7696-4367-B98B-32016486CC07}" type="datetimeFigureOut">
               <a:rPr lang="fr-FR" smtClean="0"/>
-              <a:t>20/01/2018</a:t>
+              <a:t>22/01/2018</a:t>
             </a:fld>
             <a:endParaRPr lang="fr-FR"/>
           </a:p>
@@ -2423,7 +2428,7 @@
           <a:p>
             <a:fld id="{65F0F7DF-7696-4367-B98B-32016486CC07}" type="datetimeFigureOut">
               <a:rPr lang="fr-FR" smtClean="0"/>
-              <a:t>20/01/2018</a:t>
+              <a:t>22/01/2018</a:t>
             </a:fld>
             <a:endParaRPr lang="fr-FR"/>
           </a:p>
@@ -2637,7 +2642,7 @@
           <a:p>
             <a:fld id="{65F0F7DF-7696-4367-B98B-32016486CC07}" type="datetimeFigureOut">
               <a:rPr lang="fr-FR" smtClean="0"/>
-              <a:t>20/01/2018</a:t>
+              <a:t>22/01/2018</a:t>
             </a:fld>
             <a:endParaRPr lang="fr-FR"/>
           </a:p>
@@ -3013,7 +3018,7 @@
   </p:txStyles>
   <p:extLst>
     <p:ext uri="{27BBF7A9-308A-43DC-89C8-2F10F3537804}">
-      <p15:sldGuideLst xmlns:p15="http://schemas.microsoft.com/office/powerpoint/2012/main"/>
+      <p15:sldGuideLst xmlns:p15="http://schemas.microsoft.com/office/powerpoint/2012/main" xmlns=""/>
     </p:ext>
   </p:extLst>
 </p:sldMaster>
@@ -3108,6 +3113,13 @@
   <p:clrMapOvr>
     <a:masterClrMapping/>
   </p:clrMapOvr>
+  <p:timing>
+    <p:tnLst>
+      <p:par>
+        <p:cTn id="1" dur="indefinite" restart="never" nodeType="tmRoot"/>
+      </p:par>
+    </p:tnLst>
+  </p:timing>
 </p:sld>
 </file>
 
@@ -3231,8 +3243,13 @@
           <a:p>
             <a:r>
               <a:rPr lang="fr-FR" dirty="0"/>
-              <a:t>Approche Choisie </a:t>
-            </a:r>
+              <a:t>Approche </a:t>
+            </a:r>
+            <a:r>
+              <a:rPr lang="fr-FR" dirty="0" smtClean="0"/>
+              <a:t>choisie </a:t>
+            </a:r>
+            <a:endParaRPr lang="fr-FR" dirty="0"/>
           </a:p>
         </p:txBody>
       </p:sp>
@@ -3372,6 +3389,9 @@
           </a:bodyPr>
           <a:lstStyle/>
           <a:p>
+            <a:pPr marL="0" indent="0">
+              <a:buNone/>
+            </a:pPr>
             <a:endParaRPr lang="fr-FR" dirty="0"/>
           </a:p>
           <a:p>
@@ -3705,9 +3725,10 @@
           <a:lstStyle/>
           <a:p>
             <a:r>
-              <a:rPr lang="fr-FR" dirty="0"/>
-              <a:t>Résultats</a:t>
-            </a:r>
+              <a:rPr lang="fr-FR" dirty="0" smtClean="0"/>
+              <a:t>Algorithme</a:t>
+            </a:r>
+            <a:endParaRPr lang="fr-FR" dirty="0"/>
           </a:p>
         </p:txBody>
       </p:sp>
@@ -3786,12 +3807,16 @@
           <a:bodyPr/>
           <a:lstStyle/>
           <a:p>
-            <a:endParaRPr lang="fr-FR"/>
-          </a:p>
-        </p:txBody>
-      </p:sp>
-      <mc:AlternateContent xmlns:mc="http://schemas.openxmlformats.org/markup-compatibility/2006">
-        <mc:Choice xmlns:a14="http://schemas.microsoft.com/office/drawing/2010/main" Requires="a14">
+            <a:r>
+              <a:rPr lang="fr-FR" dirty="0" smtClean="0"/>
+              <a:t>Algorithme</a:t>
+            </a:r>
+            <a:endParaRPr lang="fr-FR" dirty="0"/>
+          </a:p>
+        </p:txBody>
+      </p:sp>
+      <mc:AlternateContent xmlns:mc="http://schemas.openxmlformats.org/markup-compatibility/2006" xmlns:a14="http://schemas.microsoft.com/office/drawing/2010/main">
+        <mc:Choice Requires="a14">
           <p:sp>
             <p:nvSpPr>
               <p:cNvPr id="3" name="Espace réservé du contenu 2"/>
@@ -3857,7 +3882,7 @@
                       <m:dPr>
                         <m:ctrlPr>
                           <a:rPr lang="fr-FR" sz="1900" i="1">
-                            <a:latin typeface="Cambria Math" panose="02040503050406030204" pitchFamily="18" charset="0"/>
+                            <a:latin typeface="Cambria Math"/>
                             <a:ea typeface="Cambria Math"/>
                           </a:rPr>
                         </m:ctrlPr>
@@ -3883,7 +3908,7 @@
                       <m:fPr>
                         <m:ctrlPr>
                           <a:rPr lang="fr-FR" sz="1900" i="1">
-                            <a:latin typeface="Cambria Math" panose="02040503050406030204" pitchFamily="18" charset="0"/>
+                            <a:latin typeface="Cambria Math"/>
                             <a:ea typeface="Cambria Math"/>
                           </a:rPr>
                         </m:ctrlPr>
@@ -3896,7 +3921,7 @@
                             <m:supHide m:val="on"/>
                             <m:ctrlPr>
                               <a:rPr lang="fr-FR" sz="1900" i="1">
-                                <a:latin typeface="Cambria Math" panose="02040503050406030204" pitchFamily="18" charset="0"/>
+                                <a:latin typeface="Cambria Math"/>
                                 <a:ea typeface="Cambria Math"/>
                               </a:rPr>
                             </m:ctrlPr>
@@ -3923,7 +3948,7 @@
                               <m:sSubPr>
                                 <m:ctrlPr>
                                   <a:rPr lang="fr-FR" sz="1900" i="1">
-                                    <a:latin typeface="Cambria Math" panose="02040503050406030204" pitchFamily="18" charset="0"/>
+                                    <a:latin typeface="Cambria Math"/>
                                     <a:ea typeface="Cambria Math"/>
                                   </a:rPr>
                                 </m:ctrlPr>
@@ -4055,7 +4080,7 @@
                             <m:endChr m:val="|"/>
                             <m:ctrlPr>
                               <a:rPr lang="fr-FR" sz="1900" i="1" smtClean="0">
-                                <a:latin typeface="Cambria Math" panose="02040503050406030204" pitchFamily="18" charset="0"/>
+                                <a:latin typeface="Cambria Math"/>
                                 <a:ea typeface="Cambria Math"/>
                               </a:rPr>
                             </m:ctrlPr>
@@ -4065,7 +4090,7 @@
                               <m:sSubPr>
                                 <m:ctrlPr>
                                   <a:rPr lang="fr-FR" sz="1900" i="1">
-                                    <a:latin typeface="Cambria Math" panose="02040503050406030204" pitchFamily="18" charset="0"/>
+                                    <a:latin typeface="Cambria Math"/>
                                     <a:ea typeface="Cambria Math"/>
                                   </a:rPr>
                                 </m:ctrlPr>
@@ -4128,7 +4153,7 @@
                       <m:dPr>
                         <m:ctrlPr>
                           <a:rPr lang="fr-FR" sz="2000" b="0" i="1" smtClean="0">
-                            <a:latin typeface="Cambria Math" panose="02040503050406030204" pitchFamily="18" charset="0"/>
+                            <a:latin typeface="Cambria Math"/>
                             <a:ea typeface="Cambria Math"/>
                           </a:rPr>
                         </m:ctrlPr>
@@ -4154,7 +4179,7 @@
                       <m:fPr>
                         <m:ctrlPr>
                           <a:rPr lang="fr-FR" sz="2000" b="0" i="1" smtClean="0">
-                            <a:latin typeface="Cambria Math" panose="02040503050406030204" pitchFamily="18" charset="0"/>
+                            <a:latin typeface="Cambria Math"/>
                             <a:ea typeface="Cambria Math"/>
                           </a:rPr>
                         </m:ctrlPr>
@@ -4166,7 +4191,7 @@
                             <m:endChr m:val="|"/>
                             <m:ctrlPr>
                               <a:rPr lang="fr-FR" sz="2000" b="0" i="1" smtClean="0">
-                                <a:latin typeface="Cambria Math" panose="02040503050406030204" pitchFamily="18" charset="0"/>
+                                <a:latin typeface="Cambria Math"/>
                                 <a:ea typeface="Cambria Math"/>
                               </a:rPr>
                             </m:ctrlPr>
@@ -4183,7 +4208,7 @@
                               <m:sSubSupPr>
                                 <m:ctrlPr>
                                   <a:rPr lang="fr-FR" sz="2000" b="0" i="1" smtClean="0">
-                                    <a:latin typeface="Cambria Math" panose="02040503050406030204" pitchFamily="18" charset="0"/>
+                                    <a:latin typeface="Cambria Math"/>
                                     <a:ea typeface="Cambria Math"/>
                                   </a:rPr>
                                 </m:ctrlPr>
@@ -4227,7 +4252,7 @@
                               <m:sSubPr>
                                 <m:ctrlPr>
                                   <a:rPr lang="fr-FR" sz="2000" b="0" i="1" smtClean="0">
-                                    <a:latin typeface="Cambria Math" panose="02040503050406030204" pitchFamily="18" charset="0"/>
+                                    <a:latin typeface="Cambria Math"/>
                                     <a:ea typeface="Cambria Math"/>
                                   </a:rPr>
                                 </m:ctrlPr>
@@ -4304,7 +4329,7 @@
             </p:txBody>
           </p:sp>
         </mc:Choice>
-        <mc:Fallback>
+        <mc:Fallback xmlns="">
           <p:sp>
             <p:nvSpPr>
               <p:cNvPr id="3" name="Espace réservé du contenu 2"/>
@@ -4385,7 +4410,7 @@
           <a:p>
             <a:r>
               <a:rPr lang="fr-FR" dirty="0"/>
-              <a:t>Implémentation</a:t>
+              <a:t>Algorithme</a:t>
             </a:r>
           </a:p>
         </p:txBody>
@@ -4406,51 +4431,35 @@
           <a:lstStyle/>
           <a:p>
             <a:r>
-              <a:rPr lang="fr-FR" dirty="0"/>
-              <a:t>3 classes :</a:t>
-            </a:r>
-          </a:p>
-          <a:p>
-            <a:pPr lvl="2" indent="-342900">
-              <a:buFontTx/>
-              <a:buChar char="-"/>
+              <a:rPr lang="fr-FR" sz="2400" dirty="0"/>
+              <a:t>2.a Cherche la patch P avec la priorité maximum  (centre du patch appartient à la bordure)</a:t>
+            </a:r>
+          </a:p>
+          <a:p>
+            <a:pPr marL="0" indent="0">
+              <a:buNone/>
             </a:pPr>
-            <a:r>
-              <a:rPr lang="fr-FR" dirty="0"/>
-              <a:t>La classe image </a:t>
-            </a:r>
-          </a:p>
-          <a:p>
-            <a:pPr lvl="2" indent="-342900">
-              <a:buFontTx/>
-              <a:buChar char="-"/>
-            </a:pPr>
-            <a:r>
-              <a:rPr lang="fr-FR" dirty="0"/>
-              <a:t>La classe </a:t>
-            </a:r>
-            <a:r>
-              <a:rPr lang="fr-FR" dirty="0" err="1"/>
-              <a:t>regionfill</a:t>
-            </a:r>
+            <a:endParaRPr lang="fr-FR" sz="2400" dirty="0"/>
+          </a:p>
+          <a:p>
+            <a:r>
+              <a:rPr lang="fr-FR" sz="2400" dirty="0" smtClean="0"/>
+              <a:t>2b </a:t>
+            </a:r>
+            <a:r>
+              <a:rPr lang="fr-FR" sz="2400" dirty="0"/>
+              <a:t>Trouver le patch Q de la source le plus proche du patch P</a:t>
+            </a:r>
+          </a:p>
+          <a:p>
             <a:endParaRPr lang="fr-FR" dirty="0"/>
-          </a:p>
-          <a:p>
-            <a:pPr lvl="2" indent="-342900">
-              <a:buFontTx/>
-              <a:buChar char="-"/>
-            </a:pPr>
-            <a:r>
-              <a:rPr lang="fr-FR" dirty="0"/>
-              <a:t>La classe patch </a:t>
-            </a:r>
           </a:p>
         </p:txBody>
       </p:sp>
     </p:spTree>
     <p:extLst>
       <p:ext uri="{BB962C8B-B14F-4D97-AF65-F5344CB8AC3E}">
-        <p14:creationId xmlns:p14="http://schemas.microsoft.com/office/powerpoint/2010/main" val="3639082995"/>
+        <p14:creationId xmlns:p14="http://schemas.microsoft.com/office/powerpoint/2010/main" val="615268836"/>
       </p:ext>
     </p:extLst>
   </p:cSld>
@@ -4493,9 +4502,10 @@
           <a:lstStyle/>
           <a:p>
             <a:r>
-              <a:rPr lang="fr-FR" dirty="0"/>
-              <a:t>Implémentation</a:t>
-            </a:r>
+              <a:rPr lang="fr-FR" dirty="0" smtClean="0"/>
+              <a:t>Algorithme</a:t>
+            </a:r>
+            <a:endParaRPr lang="fr-FR" dirty="0"/>
           </a:p>
         </p:txBody>
       </p:sp>
@@ -4514,47 +4524,72 @@
           <a:bodyPr/>
           <a:lstStyle/>
           <a:p>
-            <a:r>
-              <a:rPr lang="fr-FR" dirty="0"/>
-              <a:t>La classe image :</a:t>
-            </a:r>
-          </a:p>
-          <a:p>
             <a:pPr marL="0" indent="0">
               <a:buNone/>
             </a:pPr>
-            <a:endParaRPr lang="fr-FR" dirty="0"/>
+            <a:endParaRPr lang="fr-FR" sz="2400" dirty="0" smtClean="0"/>
+          </a:p>
+          <a:p>
+            <a:r>
+              <a:rPr lang="fr-FR" sz="2400" dirty="0" smtClean="0"/>
+              <a:t>2c </a:t>
+            </a:r>
+            <a:r>
+              <a:rPr lang="fr-FR" sz="2400" dirty="0"/>
+              <a:t>copie du patch Q sur le patch P </a:t>
+            </a:r>
           </a:p>
           <a:p>
             <a:pPr marL="0" indent="0">
               <a:buNone/>
             </a:pPr>
-            <a:r>
-              <a:rPr lang="fr-FR" dirty="0"/>
-              <a:t>Permet de gérer le chargement, l’affichage et l’écriture d’image. </a:t>
-            </a:r>
+            <a:endParaRPr lang="fr-FR" sz="2400" dirty="0" smtClean="0"/>
           </a:p>
           <a:p>
             <a:pPr marL="0" indent="0">
               <a:buNone/>
             </a:pPr>
-            <a:r>
-              <a:rPr lang="fr-FR" dirty="0"/>
-              <a:t>Aucun calcul effectué ici </a:t>
-            </a:r>
+            <a:endParaRPr lang="fr-FR" sz="2400" dirty="0"/>
           </a:p>
           <a:p>
             <a:pPr marL="0" indent="0">
               <a:buNone/>
             </a:pPr>
-            <a:r>
-              <a:rPr lang="fr-FR" dirty="0"/>
-              <a:t>Lien avec la classe </a:t>
-            </a:r>
-            <a:r>
-              <a:rPr lang="fr-FR" dirty="0" err="1"/>
-              <a:t>regionfill</a:t>
-            </a:r>
+            <a:endParaRPr lang="fr-FR" sz="2400" dirty="0" smtClean="0"/>
+          </a:p>
+          <a:p>
+            <a:r>
+              <a:rPr lang="fr-FR" sz="2400" dirty="0" smtClean="0"/>
+              <a:t>3 </a:t>
+            </a:r>
+            <a:r>
+              <a:rPr lang="fr-FR" sz="2400" dirty="0"/>
+              <a:t>On actualise les C(p</a:t>
+            </a:r>
+            <a:r>
+              <a:rPr lang="fr-FR" sz="2400" dirty="0" smtClean="0"/>
+              <a:t>)</a:t>
+            </a:r>
+          </a:p>
+          <a:p>
+            <a:pPr marL="0" indent="0">
+              <a:buNone/>
+            </a:pPr>
+            <a:endParaRPr lang="fr-FR" sz="2400" dirty="0"/>
+          </a:p>
+          <a:p>
+            <a:pPr marL="0" indent="0">
+              <a:buNone/>
+            </a:pPr>
+            <a:endParaRPr lang="fr-FR" sz="2400" dirty="0" smtClean="0"/>
+          </a:p>
+          <a:p>
+            <a:pPr marL="0" indent="0">
+              <a:buNone/>
+            </a:pPr>
+            <a:endParaRPr lang="fr-FR" sz="2400" dirty="0"/>
+          </a:p>
+          <a:p>
             <a:endParaRPr lang="fr-FR" dirty="0"/>
           </a:p>
         </p:txBody>
@@ -4562,7 +4597,7 @@
     </p:spTree>
     <p:extLst>
       <p:ext uri="{BB962C8B-B14F-4D97-AF65-F5344CB8AC3E}">
-        <p14:creationId xmlns:p14="http://schemas.microsoft.com/office/powerpoint/2010/main" val="3925888902"/>
+        <p14:creationId xmlns:p14="http://schemas.microsoft.com/office/powerpoint/2010/main" val="3502607557"/>
       </p:ext>
     </p:extLst>
   </p:cSld>
@@ -4627,6 +4662,50 @@
           <a:lstStyle/>
           <a:p>
             <a:r>
+              <a:rPr lang="fr-FR" dirty="0" smtClean="0"/>
+              <a:t>Implémentation en C++</a:t>
+            </a:r>
+          </a:p>
+          <a:p>
+            <a:r>
+              <a:rPr lang="fr-FR" dirty="0" smtClean="0"/>
+              <a:t>Utilisation de la bibliothèque </a:t>
+            </a:r>
+            <a:r>
+              <a:rPr lang="fr-FR" dirty="0" err="1" smtClean="0"/>
+              <a:t>OpenCV</a:t>
+            </a:r>
+            <a:endParaRPr lang="fr-FR" dirty="0" smtClean="0"/>
+          </a:p>
+          <a:p>
+            <a:endParaRPr lang="fr-FR" dirty="0"/>
+          </a:p>
+          <a:p>
+            <a:r>
+              <a:rPr lang="fr-FR" dirty="0" smtClean="0"/>
+              <a:t>3 </a:t>
+            </a:r>
+            <a:r>
+              <a:rPr lang="fr-FR" dirty="0"/>
+              <a:t>classes :</a:t>
+            </a:r>
+          </a:p>
+          <a:p>
+            <a:pPr lvl="2" indent="-342900">
+              <a:buFontTx/>
+              <a:buChar char="-"/>
+            </a:pPr>
+            <a:r>
+              <a:rPr lang="fr-FR" dirty="0"/>
+              <a:t>La classe image </a:t>
+            </a:r>
+          </a:p>
+          <a:p>
+            <a:pPr lvl="2" indent="-342900">
+              <a:buFontTx/>
+              <a:buChar char="-"/>
+            </a:pPr>
+            <a:r>
               <a:rPr lang="fr-FR" dirty="0"/>
               <a:t>La classe </a:t>
             </a:r>
@@ -4637,41 +4716,21 @@
             <a:endParaRPr lang="fr-FR" dirty="0"/>
           </a:p>
           <a:p>
-            <a:pPr marL="0" indent="0">
-              <a:buNone/>
+            <a:pPr lvl="2" indent="-342900">
+              <a:buFontTx/>
+              <a:buChar char="-"/>
             </a:pPr>
-            <a:endParaRPr lang="fr-FR" dirty="0"/>
-          </a:p>
-          <a:p>
-            <a:pPr marL="0" indent="0">
-              <a:buNone/>
-            </a:pPr>
-            <a:r>
-              <a:rPr lang="fr-FR" dirty="0"/>
-              <a:t>Classe où tous les calculs sont faits </a:t>
-            </a:r>
-          </a:p>
-          <a:p>
-            <a:pPr marL="0" indent="0">
-              <a:buNone/>
-            </a:pPr>
-            <a:r>
-              <a:rPr lang="fr-FR" dirty="0"/>
-              <a:t>Récupère les images chargées dans la classe image</a:t>
-            </a:r>
-          </a:p>
-          <a:p>
-            <a:pPr marL="0" indent="0">
-              <a:buNone/>
-            </a:pPr>
-            <a:endParaRPr lang="fr-FR" dirty="0"/>
+            <a:r>
+              <a:rPr lang="fr-FR" dirty="0"/>
+              <a:t>La classe patch </a:t>
+            </a:r>
           </a:p>
         </p:txBody>
       </p:sp>
     </p:spTree>
     <p:extLst>
       <p:ext uri="{BB962C8B-B14F-4D97-AF65-F5344CB8AC3E}">
-        <p14:creationId xmlns:p14="http://schemas.microsoft.com/office/powerpoint/2010/main" val="3678633322"/>
+        <p14:creationId xmlns:p14="http://schemas.microsoft.com/office/powerpoint/2010/main" val="3639082995"/>
       </p:ext>
     </p:extLst>
   </p:cSld>
@@ -4737,15 +4796,53 @@
           <a:p>
             <a:r>
               <a:rPr lang="fr-FR" dirty="0"/>
-              <a:t>La classe Patch</a:t>
-            </a:r>
+              <a:t>La classe image :</a:t>
+            </a:r>
+          </a:p>
+          <a:p>
+            <a:pPr marL="0" indent="0">
+              <a:buNone/>
+            </a:pPr>
+            <a:endParaRPr lang="fr-FR" dirty="0"/>
+          </a:p>
+          <a:p>
+            <a:pPr marL="0" indent="0">
+              <a:buNone/>
+            </a:pPr>
+            <a:r>
+              <a:rPr lang="fr-FR" dirty="0"/>
+              <a:t>Permet de gérer le chargement, l’affichage et l’écriture d’image. </a:t>
+            </a:r>
+          </a:p>
+          <a:p>
+            <a:pPr marL="0" indent="0">
+              <a:buNone/>
+            </a:pPr>
+            <a:r>
+              <a:rPr lang="fr-FR" dirty="0"/>
+              <a:t>Aucun calcul effectué ici </a:t>
+            </a:r>
+          </a:p>
+          <a:p>
+            <a:pPr marL="0" indent="0">
+              <a:buNone/>
+            </a:pPr>
+            <a:r>
+              <a:rPr lang="fr-FR" dirty="0"/>
+              <a:t>Lien avec la classe </a:t>
+            </a:r>
+            <a:r>
+              <a:rPr lang="fr-FR" dirty="0" err="1"/>
+              <a:t>regionfill</a:t>
+            </a:r>
+            <a:endParaRPr lang="fr-FR" dirty="0"/>
           </a:p>
         </p:txBody>
       </p:sp>
     </p:spTree>
     <p:extLst>
       <p:ext uri="{BB962C8B-B14F-4D97-AF65-F5344CB8AC3E}">
-        <p14:creationId xmlns:p14="http://schemas.microsoft.com/office/powerpoint/2010/main" val="1050499129"/>
+        <p14:creationId xmlns:p14="http://schemas.microsoft.com/office/powerpoint/2010/main" val="3925888902"/>
       </p:ext>
     </p:extLst>
   </p:cSld>
@@ -4818,25 +4915,43 @@
               <a:buNone/>
             </a:pPr>
             <a:r>
-              <a:rPr lang="fr-FR" sz="2400" u="sng" dirty="0"/>
-              <a:t>Définition</a:t>
+              <a:rPr lang="fr-FR" sz="2400" u="sng" dirty="0" smtClean="0"/>
+              <a:t>Objectif :</a:t>
+            </a:r>
+            <a:r>
+              <a:rPr lang="fr-FR" sz="2400" dirty="0" smtClean="0"/>
+              <a:t> </a:t>
+            </a:r>
+          </a:p>
+          <a:p>
+            <a:pPr marL="0" indent="0">
+              <a:buNone/>
+            </a:pPr>
+            <a:endParaRPr lang="fr-FR" sz="2400" dirty="0"/>
+          </a:p>
+          <a:p>
+            <a:pPr marL="0" indent="0">
+              <a:buNone/>
+            </a:pPr>
+            <a:r>
+              <a:rPr lang="fr-FR" sz="2400" dirty="0" smtClean="0"/>
+              <a:t>- Reconstruction d'images </a:t>
             </a:r>
             <a:r>
               <a:rPr lang="fr-FR" sz="2400" dirty="0"/>
-              <a:t> : L'</a:t>
-            </a:r>
-            <a:r>
-              <a:rPr lang="fr-FR" sz="2400" b="1" dirty="0" err="1"/>
-              <a:t>inpainting</a:t>
-            </a:r>
-            <a:r>
-              <a:rPr lang="fr-FR" sz="2400" dirty="0"/>
-              <a:t> est le nom donné à la technique de reconstruction d'images détériorés ou de remplissage des parties manquantes d'une image</a:t>
-            </a:r>
-            <a:r>
-              <a:rPr lang="fr-FR" sz="2400" baseline="30000" dirty="0"/>
-              <a:t>.</a:t>
-            </a:r>
+              <a:t>détériorés </a:t>
+            </a:r>
+            <a:endParaRPr lang="fr-FR" sz="2400" dirty="0" smtClean="0"/>
+          </a:p>
+          <a:p>
+            <a:pPr marL="0" indent="0">
+              <a:buNone/>
+            </a:pPr>
+            <a:r>
+              <a:rPr lang="fr-FR" sz="2400" dirty="0" smtClean="0"/>
+              <a:t>- Suppression d’objets d’une image défini par l’utilisateur.</a:t>
+            </a:r>
+            <a:endParaRPr lang="fr-FR" sz="2400" baseline="30000" dirty="0"/>
           </a:p>
           <a:p>
             <a:pPr marL="0" indent="0">
@@ -4872,6 +4987,13 @@
   <p:clrMapOvr>
     <a:masterClrMapping/>
   </p:clrMapOvr>
+  <p:timing>
+    <p:tnLst>
+      <p:par>
+        <p:cTn id="1" dur="indefinite" restart="never" nodeType="tmRoot"/>
+      </p:par>
+    </p:tnLst>
+  </p:timing>
 </p:sld>
 </file>
 
@@ -4909,14 +5031,14 @@
           <a:p>
             <a:r>
               <a:rPr lang="fr-FR" dirty="0"/>
-              <a:t>Limitations</a:t>
-            </a:r>
-          </a:p>
-        </p:txBody>
-      </p:sp>
-      <p:sp>
-        <p:nvSpPr>
-          <p:cNvPr id="5" name="Espace réservé du contenu 4"/>
+              <a:t>Implémentation</a:t>
+            </a:r>
+          </a:p>
+        </p:txBody>
+      </p:sp>
+      <p:sp>
+        <p:nvSpPr>
+          <p:cNvPr id="3" name="Espace réservé du contenu 2"/>
           <p:cNvSpPr>
             <a:spLocks noGrp="1"/>
           </p:cNvSpPr>
@@ -4929,6 +5051,58 @@
           <a:bodyPr/>
           <a:lstStyle/>
           <a:p>
+            <a:r>
+              <a:rPr lang="fr-FR" dirty="0"/>
+              <a:t>La classe </a:t>
+            </a:r>
+            <a:r>
+              <a:rPr lang="fr-FR" dirty="0" err="1"/>
+              <a:t>regionfill</a:t>
+            </a:r>
+            <a:endParaRPr lang="fr-FR" dirty="0"/>
+          </a:p>
+          <a:p>
+            <a:pPr marL="0" indent="0">
+              <a:buNone/>
+            </a:pPr>
+            <a:endParaRPr lang="fr-FR" dirty="0"/>
+          </a:p>
+          <a:p>
+            <a:pPr marL="0" indent="0">
+              <a:buNone/>
+            </a:pPr>
+            <a:r>
+              <a:rPr lang="fr-FR" dirty="0"/>
+              <a:t>Classe où tous les calculs sont faits </a:t>
+            </a:r>
+          </a:p>
+          <a:p>
+            <a:pPr marL="0" indent="0">
+              <a:buNone/>
+            </a:pPr>
+            <a:r>
+              <a:rPr lang="fr-FR" dirty="0"/>
+              <a:t>Récupère les images chargées dans la classe </a:t>
+            </a:r>
+            <a:r>
+              <a:rPr lang="fr-FR" dirty="0" smtClean="0"/>
+              <a:t>image</a:t>
+            </a:r>
+          </a:p>
+          <a:p>
+            <a:pPr marL="0" indent="0">
+              <a:buNone/>
+            </a:pPr>
+            <a:r>
+              <a:rPr lang="fr-FR" dirty="0" smtClean="0"/>
+              <a:t>Lien fort avec la classe patch</a:t>
+            </a:r>
+            <a:endParaRPr lang="fr-FR" dirty="0"/>
+          </a:p>
+          <a:p>
+            <a:pPr marL="0" indent="0">
+              <a:buNone/>
+            </a:pPr>
             <a:endParaRPr lang="fr-FR" dirty="0"/>
           </a:p>
         </p:txBody>
@@ -4936,7 +5110,7 @@
     </p:spTree>
     <p:extLst>
       <p:ext uri="{BB962C8B-B14F-4D97-AF65-F5344CB8AC3E}">
-        <p14:creationId xmlns:p14="http://schemas.microsoft.com/office/powerpoint/2010/main" val="1091968654"/>
+        <p14:creationId xmlns:p14="http://schemas.microsoft.com/office/powerpoint/2010/main" val="3678633322"/>
       </p:ext>
     </p:extLst>
   </p:cSld>
@@ -4980,6 +5154,594 @@
           <a:p>
             <a:r>
               <a:rPr lang="fr-FR" dirty="0"/>
+              <a:t>Implémentation</a:t>
+            </a:r>
+          </a:p>
+        </p:txBody>
+      </p:sp>
+      <p:sp>
+        <p:nvSpPr>
+          <p:cNvPr id="3" name="Espace réservé du contenu 2"/>
+          <p:cNvSpPr>
+            <a:spLocks noGrp="1"/>
+          </p:cNvSpPr>
+          <p:nvPr>
+            <p:ph idx="1"/>
+          </p:nvPr>
+        </p:nvSpPr>
+        <p:spPr/>
+        <p:txBody>
+          <a:bodyPr/>
+          <a:lstStyle/>
+          <a:p>
+            <a:r>
+              <a:rPr lang="fr-FR" dirty="0"/>
+              <a:t>La classe </a:t>
+            </a:r>
+            <a:r>
+              <a:rPr lang="fr-FR" dirty="0" smtClean="0"/>
+              <a:t>Patch:</a:t>
+            </a:r>
+          </a:p>
+          <a:p>
+            <a:endParaRPr lang="fr-FR" dirty="0"/>
+          </a:p>
+          <a:p>
+            <a:pPr marL="0" indent="0">
+              <a:buNone/>
+            </a:pPr>
+            <a:r>
+              <a:rPr lang="fr-FR" dirty="0" smtClean="0"/>
+              <a:t>Permet de créer un patch de l’image </a:t>
+            </a:r>
+          </a:p>
+          <a:p>
+            <a:pPr marL="0" indent="0">
+              <a:buNone/>
+            </a:pPr>
+            <a:r>
+              <a:rPr lang="fr-FR" dirty="0"/>
+              <a:t/>
+            </a:r>
+            <a:br>
+              <a:rPr lang="fr-FR" dirty="0"/>
+            </a:br>
+            <a:r>
+              <a:rPr lang="fr-FR" dirty="0" smtClean="0"/>
+              <a:t>Utile pour la recherche de meilleur patch </a:t>
+            </a:r>
+          </a:p>
+          <a:p>
+            <a:pPr marL="0" indent="0">
+              <a:buNone/>
+            </a:pPr>
+            <a:endParaRPr lang="fr-FR" dirty="0"/>
+          </a:p>
+          <a:p>
+            <a:pPr marL="0" indent="0">
+              <a:buNone/>
+            </a:pPr>
+            <a:endParaRPr lang="fr-FR" dirty="0"/>
+          </a:p>
+        </p:txBody>
+      </p:sp>
+    </p:spTree>
+    <p:extLst>
+      <p:ext uri="{BB962C8B-B14F-4D97-AF65-F5344CB8AC3E}">
+        <p14:creationId xmlns:p14="http://schemas.microsoft.com/office/powerpoint/2010/main" val="1050499129"/>
+      </p:ext>
+    </p:extLst>
+  </p:cSld>
+  <p:clrMapOvr>
+    <a:masterClrMapping/>
+  </p:clrMapOvr>
+</p:sld>
+</file>
+
+<file path=ppt/slides/slide22.xml><?xml version="1.0" encoding="utf-8"?>
+<p:sld xmlns:a="http://schemas.openxmlformats.org/drawingml/2006/main" xmlns:r="http://schemas.openxmlformats.org/officeDocument/2006/relationships" xmlns:p="http://schemas.openxmlformats.org/presentationml/2006/main">
+  <p:cSld>
+    <p:spTree>
+      <p:nvGrpSpPr>
+        <p:cNvPr id="1" name=""/>
+        <p:cNvGrpSpPr/>
+        <p:nvPr/>
+      </p:nvGrpSpPr>
+      <p:grpSpPr>
+        <a:xfrm>
+          <a:off x="0" y="0"/>
+          <a:ext cx="0" cy="0"/>
+          <a:chOff x="0" y="0"/>
+          <a:chExt cx="0" cy="0"/>
+        </a:xfrm>
+      </p:grpSpPr>
+      <p:sp>
+        <p:nvSpPr>
+          <p:cNvPr id="2" name="Titre 1"/>
+          <p:cNvSpPr>
+            <a:spLocks noGrp="1"/>
+          </p:cNvSpPr>
+          <p:nvPr>
+            <p:ph type="title"/>
+          </p:nvPr>
+        </p:nvSpPr>
+        <p:spPr/>
+        <p:txBody>
+          <a:bodyPr/>
+          <a:lstStyle/>
+          <a:p>
+            <a:r>
+              <a:rPr lang="fr-FR" dirty="0" smtClean="0"/>
+              <a:t>Résultats</a:t>
+            </a:r>
+            <a:endParaRPr lang="fr-FR" dirty="0"/>
+          </a:p>
+        </p:txBody>
+      </p:sp>
+      <p:sp>
+        <p:nvSpPr>
+          <p:cNvPr id="3" name="Espace réservé du contenu 2"/>
+          <p:cNvSpPr>
+            <a:spLocks noGrp="1"/>
+          </p:cNvSpPr>
+          <p:nvPr>
+            <p:ph idx="1"/>
+          </p:nvPr>
+        </p:nvSpPr>
+        <p:spPr/>
+        <p:txBody>
+          <a:bodyPr/>
+          <a:lstStyle/>
+          <a:p>
+            <a:r>
+              <a:rPr lang="fr-FR" dirty="0" smtClean="0"/>
+              <a:t>Mettre les bonnes images</a:t>
+            </a:r>
+            <a:endParaRPr lang="fr-FR" dirty="0"/>
+          </a:p>
+        </p:txBody>
+      </p:sp>
+    </p:spTree>
+    <p:extLst>
+      <p:ext uri="{BB962C8B-B14F-4D97-AF65-F5344CB8AC3E}">
+        <p14:creationId xmlns:p14="http://schemas.microsoft.com/office/powerpoint/2010/main" val="1271244612"/>
+      </p:ext>
+    </p:extLst>
+  </p:cSld>
+  <p:clrMapOvr>
+    <a:masterClrMapping/>
+  </p:clrMapOvr>
+</p:sld>
+</file>
+
+<file path=ppt/slides/slide23.xml><?xml version="1.0" encoding="utf-8"?>
+<p:sld xmlns:a="http://schemas.openxmlformats.org/drawingml/2006/main" xmlns:r="http://schemas.openxmlformats.org/officeDocument/2006/relationships" xmlns:p="http://schemas.openxmlformats.org/presentationml/2006/main">
+  <p:cSld>
+    <p:spTree>
+      <p:nvGrpSpPr>
+        <p:cNvPr id="1" name=""/>
+        <p:cNvGrpSpPr/>
+        <p:nvPr/>
+      </p:nvGrpSpPr>
+      <p:grpSpPr>
+        <a:xfrm>
+          <a:off x="0" y="0"/>
+          <a:ext cx="0" cy="0"/>
+          <a:chOff x="0" y="0"/>
+          <a:chExt cx="0" cy="0"/>
+        </a:xfrm>
+      </p:grpSpPr>
+      <p:sp>
+        <p:nvSpPr>
+          <p:cNvPr id="2" name="Titre 1"/>
+          <p:cNvSpPr>
+            <a:spLocks noGrp="1"/>
+          </p:cNvSpPr>
+          <p:nvPr>
+            <p:ph type="title"/>
+          </p:nvPr>
+        </p:nvSpPr>
+        <p:spPr/>
+        <p:txBody>
+          <a:bodyPr/>
+          <a:lstStyle/>
+          <a:p>
+            <a:r>
+              <a:rPr lang="fr-FR" dirty="0"/>
+              <a:t>Limitations</a:t>
+            </a:r>
+          </a:p>
+        </p:txBody>
+      </p:sp>
+      <p:sp>
+        <p:nvSpPr>
+          <p:cNvPr id="5" name="Espace réservé du contenu 4"/>
+          <p:cNvSpPr>
+            <a:spLocks noGrp="1"/>
+          </p:cNvSpPr>
+          <p:nvPr>
+            <p:ph idx="1"/>
+          </p:nvPr>
+        </p:nvSpPr>
+        <p:spPr/>
+        <p:txBody>
+          <a:bodyPr/>
+          <a:lstStyle/>
+          <a:p>
+            <a:r>
+              <a:rPr lang="fr-FR" dirty="0"/>
+              <a:t>Importance de la taille du patch </a:t>
+            </a:r>
+            <a:endParaRPr lang="fr-FR" dirty="0" smtClean="0"/>
+          </a:p>
+          <a:p>
+            <a:endParaRPr lang="fr-FR" dirty="0" smtClean="0"/>
+          </a:p>
+          <a:p>
+            <a:r>
+              <a:rPr lang="fr-FR" dirty="0" smtClean="0"/>
+              <a:t>Echec </a:t>
+            </a:r>
+            <a:r>
+              <a:rPr lang="fr-FR" dirty="0"/>
+              <a:t>de reconstruction sur les bordures de </a:t>
+            </a:r>
+            <a:r>
+              <a:rPr lang="fr-FR" dirty="0" smtClean="0"/>
+              <a:t>l’image</a:t>
+            </a:r>
+          </a:p>
+          <a:p>
+            <a:endParaRPr lang="fr-FR" dirty="0"/>
+          </a:p>
+          <a:p>
+            <a:endParaRPr lang="fr-FR" dirty="0"/>
+          </a:p>
+          <a:p>
+            <a:r>
+              <a:rPr lang="fr-FR" dirty="0" err="1" smtClean="0"/>
+              <a:t>Lab</a:t>
+            </a:r>
+            <a:r>
+              <a:rPr lang="fr-FR" dirty="0" smtClean="0"/>
+              <a:t> </a:t>
+            </a:r>
+            <a:r>
+              <a:rPr lang="fr-FR" dirty="0"/>
+              <a:t>: SSD sous norme CIE 74, </a:t>
+            </a:r>
+            <a:r>
+              <a:rPr lang="fr-FR" dirty="0"/>
+              <a:t>é</a:t>
+            </a:r>
+            <a:r>
+              <a:rPr lang="fr-FR" dirty="0" smtClean="0"/>
+              <a:t>choue </a:t>
+            </a:r>
+            <a:r>
+              <a:rPr lang="fr-FR" dirty="0"/>
+              <a:t>parfois </a:t>
+            </a:r>
+            <a:r>
+              <a:rPr lang="fr-FR" dirty="0"/>
+              <a:t>à</a:t>
+            </a:r>
+            <a:r>
+              <a:rPr lang="fr-FR" dirty="0" smtClean="0"/>
+              <a:t> détecter </a:t>
+            </a:r>
+            <a:r>
+              <a:rPr lang="fr-FR" dirty="0"/>
+              <a:t>un patch similaire</a:t>
+            </a:r>
+            <a:endParaRPr lang="fr-FR" dirty="0"/>
+          </a:p>
+        </p:txBody>
+      </p:sp>
+    </p:spTree>
+    <p:extLst>
+      <p:ext uri="{BB962C8B-B14F-4D97-AF65-F5344CB8AC3E}">
+        <p14:creationId xmlns:p14="http://schemas.microsoft.com/office/powerpoint/2010/main" val="1091968654"/>
+      </p:ext>
+    </p:extLst>
+  </p:cSld>
+  <p:clrMapOvr>
+    <a:masterClrMapping/>
+  </p:clrMapOvr>
+</p:sld>
+</file>
+
+<file path=ppt/slides/slide24.xml><?xml version="1.0" encoding="utf-8"?>
+<p:sld xmlns:a="http://schemas.openxmlformats.org/drawingml/2006/main" xmlns:r="http://schemas.openxmlformats.org/officeDocument/2006/relationships" xmlns:p="http://schemas.openxmlformats.org/presentationml/2006/main">
+  <p:cSld>
+    <p:spTree>
+      <p:nvGrpSpPr>
+        <p:cNvPr id="1" name=""/>
+        <p:cNvGrpSpPr/>
+        <p:nvPr/>
+      </p:nvGrpSpPr>
+      <p:grpSpPr>
+        <a:xfrm>
+          <a:off x="0" y="0"/>
+          <a:ext cx="0" cy="0"/>
+          <a:chOff x="0" y="0"/>
+          <a:chExt cx="0" cy="0"/>
+        </a:xfrm>
+      </p:grpSpPr>
+      <p:sp>
+        <p:nvSpPr>
+          <p:cNvPr id="2" name="Titre 1"/>
+          <p:cNvSpPr>
+            <a:spLocks noGrp="1"/>
+          </p:cNvSpPr>
+          <p:nvPr>
+            <p:ph type="title"/>
+          </p:nvPr>
+        </p:nvSpPr>
+        <p:spPr/>
+        <p:txBody>
+          <a:bodyPr/>
+          <a:lstStyle/>
+          <a:p>
+            <a:r>
+              <a:rPr lang="fr-FR" dirty="0" smtClean="0"/>
+              <a:t>Améliorations futures</a:t>
+            </a:r>
+            <a:endParaRPr lang="fr-FR" dirty="0"/>
+          </a:p>
+        </p:txBody>
+      </p:sp>
+      <p:sp>
+        <p:nvSpPr>
+          <p:cNvPr id="3" name="Espace réservé du contenu 2"/>
+          <p:cNvSpPr>
+            <a:spLocks noGrp="1"/>
+          </p:cNvSpPr>
+          <p:nvPr>
+            <p:ph idx="1"/>
+          </p:nvPr>
+        </p:nvSpPr>
+        <p:spPr/>
+        <p:txBody>
+          <a:bodyPr/>
+          <a:lstStyle/>
+          <a:p>
+            <a:r>
+              <a:rPr lang="fr-FR" dirty="0"/>
+              <a:t>SSD sous norme CIE 94 ou 2000 - prendre en compte l’</a:t>
+            </a:r>
+            <a:r>
+              <a:rPr lang="fr-FR" dirty="0" err="1"/>
+              <a:t>uniformit´e</a:t>
+            </a:r>
+            <a:r>
+              <a:rPr lang="fr-FR" dirty="0"/>
+              <a:t> </a:t>
+            </a:r>
+            <a:r>
+              <a:rPr lang="fr-FR" dirty="0" smtClean="0"/>
+              <a:t>perceptuelle</a:t>
+            </a:r>
+          </a:p>
+          <a:p>
+            <a:endParaRPr lang="fr-FR" dirty="0"/>
+          </a:p>
+          <a:p>
+            <a:r>
+              <a:rPr lang="fr-FR" dirty="0" smtClean="0"/>
+              <a:t>Patch </a:t>
+            </a:r>
+            <a:r>
+              <a:rPr lang="fr-FR" dirty="0"/>
+              <a:t>de taille variable pour minimiser la distance </a:t>
+            </a:r>
+            <a:r>
+              <a:rPr lang="fr-FR" dirty="0"/>
+              <a:t>à</a:t>
+            </a:r>
+            <a:r>
+              <a:rPr lang="fr-FR" dirty="0" smtClean="0"/>
+              <a:t> chaque </a:t>
+            </a:r>
+            <a:r>
+              <a:rPr lang="fr-FR" dirty="0"/>
+              <a:t>application de </a:t>
+            </a:r>
+            <a:r>
+              <a:rPr lang="fr-FR" dirty="0" smtClean="0"/>
+              <a:t>texture</a:t>
+            </a:r>
+          </a:p>
+          <a:p>
+            <a:endParaRPr lang="fr-FR" dirty="0"/>
+          </a:p>
+          <a:p>
+            <a:r>
+              <a:rPr lang="fr-FR" dirty="0" smtClean="0"/>
+              <a:t>Zone </a:t>
+            </a:r>
+            <a:r>
+              <a:rPr lang="fr-FR" dirty="0"/>
+              <a:t>de recherche du patch </a:t>
+            </a:r>
+            <a:r>
+              <a:rPr lang="fr-FR" dirty="0"/>
+              <a:t>à</a:t>
+            </a:r>
+            <a:r>
+              <a:rPr lang="fr-FR" dirty="0" smtClean="0"/>
+              <a:t> </a:t>
+            </a:r>
+            <a:r>
+              <a:rPr lang="fr-FR" dirty="0"/>
+              <a:t>identifier (pas dans toute l’image) - Gain de temps et </a:t>
+            </a:r>
+            <a:r>
+              <a:rPr lang="fr-FR" dirty="0" smtClean="0"/>
+              <a:t>éventuellement de</a:t>
+            </a:r>
+            <a:endParaRPr lang="fr-FR" dirty="0"/>
+          </a:p>
+        </p:txBody>
+      </p:sp>
+    </p:spTree>
+    <p:extLst>
+      <p:ext uri="{BB962C8B-B14F-4D97-AF65-F5344CB8AC3E}">
+        <p14:creationId xmlns:p14="http://schemas.microsoft.com/office/powerpoint/2010/main" val="2278213630"/>
+      </p:ext>
+    </p:extLst>
+  </p:cSld>
+  <p:clrMapOvr>
+    <a:masterClrMapping/>
+  </p:clrMapOvr>
+</p:sld>
+</file>
+
+<file path=ppt/slides/slide25.xml><?xml version="1.0" encoding="utf-8"?>
+<p:sld xmlns:a="http://schemas.openxmlformats.org/drawingml/2006/main" xmlns:r="http://schemas.openxmlformats.org/officeDocument/2006/relationships" xmlns:p="http://schemas.openxmlformats.org/presentationml/2006/main">
+  <p:cSld>
+    <p:spTree>
+      <p:nvGrpSpPr>
+        <p:cNvPr id="1" name=""/>
+        <p:cNvGrpSpPr/>
+        <p:nvPr/>
+      </p:nvGrpSpPr>
+      <p:grpSpPr>
+        <a:xfrm>
+          <a:off x="0" y="0"/>
+          <a:ext cx="0" cy="0"/>
+          <a:chOff x="0" y="0"/>
+          <a:chExt cx="0" cy="0"/>
+        </a:xfrm>
+      </p:grpSpPr>
+      <p:sp>
+        <p:nvSpPr>
+          <p:cNvPr id="2" name="Titre 1"/>
+          <p:cNvSpPr>
+            <a:spLocks noGrp="1"/>
+          </p:cNvSpPr>
+          <p:nvPr>
+            <p:ph type="title"/>
+          </p:nvPr>
+        </p:nvSpPr>
+        <p:spPr/>
+        <p:txBody>
+          <a:bodyPr/>
+          <a:lstStyle/>
+          <a:p>
+            <a:r>
+              <a:rPr lang="fr-FR" dirty="0"/>
+              <a:t>Améliorations futures</a:t>
+            </a:r>
+          </a:p>
+        </p:txBody>
+      </p:sp>
+      <p:sp>
+        <p:nvSpPr>
+          <p:cNvPr id="3" name="Espace réservé du contenu 2"/>
+          <p:cNvSpPr>
+            <a:spLocks noGrp="1"/>
+          </p:cNvSpPr>
+          <p:nvPr>
+            <p:ph idx="1"/>
+          </p:nvPr>
+        </p:nvSpPr>
+        <p:spPr/>
+        <p:txBody>
+          <a:bodyPr/>
+          <a:lstStyle/>
+          <a:p>
+            <a:r>
+              <a:rPr lang="fr-FR" dirty="0"/>
+              <a:t>Résultat avec des patchs plus cohérent dans la région </a:t>
+            </a:r>
+            <a:r>
+              <a:rPr lang="fr-FR" dirty="0" smtClean="0"/>
+              <a:t>proche</a:t>
+            </a:r>
+          </a:p>
+          <a:p>
+            <a:endParaRPr lang="fr-FR" dirty="0"/>
+          </a:p>
+          <a:p>
+            <a:r>
+              <a:rPr lang="fr-FR" dirty="0"/>
+              <a:t>Interface graphique pour masquage </a:t>
+            </a:r>
+            <a:r>
+              <a:rPr lang="fr-FR" dirty="0" smtClean="0"/>
+              <a:t>manuel</a:t>
+            </a:r>
+          </a:p>
+          <a:p>
+            <a:endParaRPr lang="fr-FR" dirty="0"/>
+          </a:p>
+          <a:p>
+            <a:r>
+              <a:rPr lang="fr-FR" dirty="0"/>
+              <a:t>Utilisation des </a:t>
+            </a:r>
+            <a:r>
+              <a:rPr lang="fr-FR" dirty="0" err="1"/>
+              <a:t>GraphCut</a:t>
+            </a:r>
+            <a:r>
+              <a:rPr lang="fr-FR" dirty="0"/>
+              <a:t> pour sélectionner la meilleure zone `a appliquer lors de recouvrement de patch</a:t>
+            </a:r>
+          </a:p>
+          <a:p>
+            <a:endParaRPr lang="fr-FR" dirty="0"/>
+          </a:p>
+        </p:txBody>
+      </p:sp>
+    </p:spTree>
+    <p:extLst>
+      <p:ext uri="{BB962C8B-B14F-4D97-AF65-F5344CB8AC3E}">
+        <p14:creationId xmlns:p14="http://schemas.microsoft.com/office/powerpoint/2010/main" val="3821166411"/>
+      </p:ext>
+    </p:extLst>
+  </p:cSld>
+  <p:clrMapOvr>
+    <a:masterClrMapping/>
+  </p:clrMapOvr>
+</p:sld>
+</file>
+
+<file path=ppt/slides/slide26.xml><?xml version="1.0" encoding="utf-8"?>
+<p:sld xmlns:a="http://schemas.openxmlformats.org/drawingml/2006/main" xmlns:r="http://schemas.openxmlformats.org/officeDocument/2006/relationships" xmlns:p="http://schemas.openxmlformats.org/presentationml/2006/main">
+  <p:cSld>
+    <p:spTree>
+      <p:nvGrpSpPr>
+        <p:cNvPr id="1" name=""/>
+        <p:cNvGrpSpPr/>
+        <p:nvPr/>
+      </p:nvGrpSpPr>
+      <p:grpSpPr>
+        <a:xfrm>
+          <a:off x="0" y="0"/>
+          <a:ext cx="0" cy="0"/>
+          <a:chOff x="0" y="0"/>
+          <a:chExt cx="0" cy="0"/>
+        </a:xfrm>
+      </p:grpSpPr>
+      <p:sp>
+        <p:nvSpPr>
+          <p:cNvPr id="2" name="Titre 1"/>
+          <p:cNvSpPr>
+            <a:spLocks noGrp="1"/>
+          </p:cNvSpPr>
+          <p:nvPr>
+            <p:ph type="title"/>
+          </p:nvPr>
+        </p:nvSpPr>
+        <p:spPr/>
+        <p:txBody>
+          <a:bodyPr/>
+          <a:lstStyle/>
+          <a:p>
+            <a:r>
+              <a:rPr lang="fr-FR" dirty="0"/>
               <a:t>Conclusion</a:t>
             </a:r>
           </a:p>
@@ -5000,7 +5762,19 @@
           <a:bodyPr/>
           <a:lstStyle/>
           <a:p>
-            <a:endParaRPr lang="fr-FR"/>
+            <a:pPr marL="0" indent="0">
+              <a:buNone/>
+            </a:pPr>
+            <a:endParaRPr lang="fr-FR" dirty="0"/>
+          </a:p>
+          <a:p>
+            <a:pPr marL="0" indent="0">
+              <a:buNone/>
+            </a:pPr>
+            <a:endParaRPr lang="fr-FR" dirty="0" smtClean="0"/>
+          </a:p>
+          <a:p>
+            <a:endParaRPr lang="fr-FR" dirty="0"/>
           </a:p>
         </p:txBody>
       </p:sp>
@@ -5082,6 +5856,10 @@
             </a:r>
           </a:p>
           <a:p>
+            <a:r>
+              <a:rPr lang="fr-FR" dirty="0"/>
+              <a:t>Approche choisie </a:t>
+            </a:r>
             <a:endParaRPr lang="fr-FR" dirty="0"/>
           </a:p>
           <a:p>
@@ -5091,6 +5869,16 @@
             </a:r>
           </a:p>
           <a:p>
+            <a:r>
+              <a:rPr lang="fr-FR" dirty="0" smtClean="0"/>
+              <a:t>Algorithme </a:t>
+            </a:r>
+          </a:p>
+          <a:p>
+            <a:r>
+              <a:rPr lang="fr-FR" dirty="0" err="1" smtClean="0"/>
+              <a:t>Implémentaiton</a:t>
+            </a:r>
             <a:endParaRPr lang="fr-FR" dirty="0"/>
           </a:p>
           <a:p>
@@ -5129,6 +5917,13 @@
   <p:clrMapOvr>
     <a:masterClrMapping/>
   </p:clrMapOvr>
+  <p:timing>
+    <p:tnLst>
+      <p:par>
+        <p:cTn id="1" dur="indefinite" restart="never" nodeType="tmRoot"/>
+      </p:par>
+    </p:tnLst>
+  </p:timing>
 </p:sld>
 </file>
 
